--- a/Share/游戏想法_葛美玲.pptx
+++ b/Share/游戏想法_葛美玲.pptx
@@ -9,6 +9,8 @@
     <p:sldId id="257" r:id="rId3"/>
     <p:sldId id="258" r:id="rId4"/>
     <p:sldId id="259" r:id="rId5"/>
+    <p:sldId id="260" r:id="rId6"/>
+    <p:sldId id="261" r:id="rId7"/>
   </p:sldIdLst>
   <p:sldSz cx="12192000" cy="6858000"/>
   <p:notesSz cx="6858000" cy="9144000"/>
@@ -107,6 +109,11 @@
       </a:defRPr>
     </a:lvl9pPr>
   </p:defaultTextStyle>
+  <p:extLst>
+    <p:ext uri="{EFAFB233-063F-42B5-8137-9DF3F51BA10A}">
+      <p15:sldGuideLst xmlns:p15="http://schemas.microsoft.com/office/powerpoint/2012/main"/>
+    </p:ext>
+  </p:extLst>
 </p:presentation>
 </file>
 
@@ -833,7 +840,7 @@
             <a:fld id="{B61BEF0D-F0BB-DE4B-95CE-6DB70DBA9567}" type="datetimeFigureOut">
               <a:rPr lang="en-US" smtClean="0"/>
               <a:pPr/>
-              <a:t>3/18/2018</a:t>
+              <a:t>4/11/2018</a:t>
             </a:fld>
             <a:endParaRPr lang="en-US" dirty="0"/>
           </a:p>
@@ -1086,7 +1093,7 @@
             <a:fld id="{B61BEF0D-F0BB-DE4B-95CE-6DB70DBA9567}" type="datetimeFigureOut">
               <a:rPr lang="en-US" smtClean="0"/>
               <a:pPr/>
-              <a:t>3/18/2018</a:t>
+              <a:t>4/11/2018</a:t>
             </a:fld>
             <a:endParaRPr lang="en-US" dirty="0"/>
           </a:p>
@@ -1402,7 +1409,7 @@
             <a:fld id="{B61BEF0D-F0BB-DE4B-95CE-6DB70DBA9567}" type="datetimeFigureOut">
               <a:rPr lang="en-US" smtClean="0"/>
               <a:pPr/>
-              <a:t>3/18/2018</a:t>
+              <a:t>4/11/2018</a:t>
             </a:fld>
             <a:endParaRPr lang="en-US" dirty="0"/>
           </a:p>
@@ -1745,7 +1752,7 @@
             <a:fld id="{B61BEF0D-F0BB-DE4B-95CE-6DB70DBA9567}" type="datetimeFigureOut">
               <a:rPr lang="en-US" smtClean="0"/>
               <a:pPr/>
-              <a:t>3/18/2018</a:t>
+              <a:t>4/11/2018</a:t>
             </a:fld>
             <a:endParaRPr lang="en-US" dirty="0"/>
           </a:p>
@@ -2061,7 +2068,7 @@
             <a:fld id="{B61BEF0D-F0BB-DE4B-95CE-6DB70DBA9567}" type="datetimeFigureOut">
               <a:rPr lang="en-US" smtClean="0"/>
               <a:pPr/>
-              <a:t>3/18/2018</a:t>
+              <a:t>4/11/2018</a:t>
             </a:fld>
             <a:endParaRPr lang="en-US" dirty="0"/>
           </a:p>
@@ -2456,7 +2463,7 @@
             <a:fld id="{B61BEF0D-F0BB-DE4B-95CE-6DB70DBA9567}" type="datetimeFigureOut">
               <a:rPr lang="en-US" smtClean="0"/>
               <a:pPr/>
-              <a:t>3/18/2018</a:t>
+              <a:t>4/11/2018</a:t>
             </a:fld>
             <a:endParaRPr lang="en-US" dirty="0"/>
           </a:p>
@@ -2628,7 +2635,7 @@
             <a:fld id="{B61BEF0D-F0BB-DE4B-95CE-6DB70DBA9567}" type="datetimeFigureOut">
               <a:rPr lang="en-US" smtClean="0"/>
               <a:pPr/>
-              <a:t>3/18/2018</a:t>
+              <a:t>4/11/2018</a:t>
             </a:fld>
             <a:endParaRPr lang="en-US" dirty="0"/>
           </a:p>
@@ -2810,7 +2817,7 @@
             <a:fld id="{B61BEF0D-F0BB-DE4B-95CE-6DB70DBA9567}" type="datetimeFigureOut">
               <a:rPr lang="en-US" smtClean="0"/>
               <a:pPr/>
-              <a:t>3/18/2018</a:t>
+              <a:t>4/11/2018</a:t>
             </a:fld>
             <a:endParaRPr lang="en-US" dirty="0"/>
           </a:p>
@@ -2988,7 +2995,7 @@
             <a:fld id="{B61BEF0D-F0BB-DE4B-95CE-6DB70DBA9567}" type="datetimeFigureOut">
               <a:rPr lang="en-US" smtClean="0"/>
               <a:pPr/>
-              <a:t>3/18/2018</a:t>
+              <a:t>4/11/2018</a:t>
             </a:fld>
             <a:endParaRPr lang="en-US" dirty="0"/>
           </a:p>
@@ -3237,7 +3244,7 @@
             <a:fld id="{B61BEF0D-F0BB-DE4B-95CE-6DB70DBA9567}" type="datetimeFigureOut">
               <a:rPr lang="en-US" smtClean="0"/>
               <a:pPr/>
-              <a:t>3/18/2018</a:t>
+              <a:t>4/11/2018</a:t>
             </a:fld>
             <a:endParaRPr lang="en-US" dirty="0"/>
           </a:p>
@@ -3471,7 +3478,7 @@
             <a:fld id="{B61BEF0D-F0BB-DE4B-95CE-6DB70DBA9567}" type="datetimeFigureOut">
               <a:rPr lang="en-US" smtClean="0"/>
               <a:pPr/>
-              <a:t>3/18/2018</a:t>
+              <a:t>4/11/2018</a:t>
             </a:fld>
             <a:endParaRPr lang="en-US" dirty="0"/>
           </a:p>
@@ -3847,7 +3854,7 @@
             <a:fld id="{B61BEF0D-F0BB-DE4B-95CE-6DB70DBA9567}" type="datetimeFigureOut">
               <a:rPr lang="en-US" smtClean="0"/>
               <a:pPr/>
-              <a:t>3/18/2018</a:t>
+              <a:t>4/11/2018</a:t>
             </a:fld>
             <a:endParaRPr lang="en-US" dirty="0"/>
           </a:p>
@@ -3972,7 +3979,7 @@
             <a:fld id="{B61BEF0D-F0BB-DE4B-95CE-6DB70DBA9567}" type="datetimeFigureOut">
               <a:rPr lang="en-US" smtClean="0"/>
               <a:pPr/>
-              <a:t>3/18/2018</a:t>
+              <a:t>4/11/2018</a:t>
             </a:fld>
             <a:endParaRPr lang="en-US" dirty="0"/>
           </a:p>
@@ -4069,7 +4076,7 @@
             <a:fld id="{B61BEF0D-F0BB-DE4B-95CE-6DB70DBA9567}" type="datetimeFigureOut">
               <a:rPr lang="en-US" smtClean="0"/>
               <a:pPr/>
-              <a:t>3/18/2018</a:t>
+              <a:t>4/11/2018</a:t>
             </a:fld>
             <a:endParaRPr lang="en-US" dirty="0"/>
           </a:p>
@@ -4326,7 +4333,7 @@
             <a:fld id="{B61BEF0D-F0BB-DE4B-95CE-6DB70DBA9567}" type="datetimeFigureOut">
               <a:rPr lang="en-US" smtClean="0"/>
               <a:pPr/>
-              <a:t>3/18/2018</a:t>
+              <a:t>4/11/2018</a:t>
             </a:fld>
             <a:endParaRPr lang="en-US" dirty="0"/>
           </a:p>
@@ -4591,7 +4598,7 @@
             <a:fld id="{B61BEF0D-F0BB-DE4B-95CE-6DB70DBA9567}" type="datetimeFigureOut">
               <a:rPr lang="en-US" smtClean="0"/>
               <a:pPr/>
-              <a:t>3/18/2018</a:t>
+              <a:t>4/11/2018</a:t>
             </a:fld>
             <a:endParaRPr lang="en-US" dirty="0"/>
           </a:p>
@@ -5336,7 +5343,7 @@
             <a:fld id="{B61BEF0D-F0BB-DE4B-95CE-6DB70DBA9567}" type="datetimeFigureOut">
               <a:rPr lang="en-US" smtClean="0"/>
               <a:pPr/>
-              <a:t>3/18/2018</a:t>
+              <a:t>4/11/2018</a:t>
             </a:fld>
             <a:endParaRPr lang="en-US" dirty="0"/>
           </a:p>
@@ -5908,6 +5915,63 @@
           </a:p>
         </p:txBody>
       </p:sp>
+      <p:sp>
+        <p:nvSpPr>
+          <p:cNvPr id="3" name="文本框 2">
+            <a:extLst>
+              <a:ext uri="{FF2B5EF4-FFF2-40B4-BE49-F238E27FC236}">
+                <a16:creationId xmlns:a16="http://schemas.microsoft.com/office/drawing/2014/main" id="{789EB93F-8618-4335-B54F-22B256AB50B5}"/>
+              </a:ext>
+            </a:extLst>
+          </p:cNvPr>
+          <p:cNvSpPr txBox="1"/>
+          <p:nvPr/>
+        </p:nvSpPr>
+        <p:spPr>
+          <a:xfrm>
+            <a:off x="1162975" y="5051395"/>
+            <a:ext cx="5388746" cy="646331"/>
+          </a:xfrm>
+          <a:prstGeom prst="rect">
+            <a:avLst/>
+          </a:prstGeom>
+          <a:noFill/>
+        </p:spPr>
+        <p:txBody>
+          <a:bodyPr wrap="square" rtlCol="0">
+            <a:spAutoFit/>
+          </a:bodyPr>
+          <a:lstStyle/>
+          <a:p>
+            <a:r>
+              <a:rPr lang="en-US" altLang="zh-CN" sz="3600" dirty="0">
+                <a:solidFill>
+                  <a:schemeClr val="accent5">
+                    <a:lumMod val="50000"/>
+                  </a:schemeClr>
+                </a:solidFill>
+                <a:latin typeface="微软雅黑" panose="020B0503020204020204" pitchFamily="34" charset="-122"/>
+                <a:ea typeface="微软雅黑" panose="020B0503020204020204" pitchFamily="34" charset="-122"/>
+                <a:cs typeface="+mj-cs"/>
+              </a:rPr>
+              <a:t>Author:</a:t>
+            </a:r>
+            <a:r>
+              <a:rPr lang="zh-CN" altLang="en-US" sz="3600" dirty="0">
+                <a:solidFill>
+                  <a:schemeClr val="accent5">
+                    <a:lumMod val="50000"/>
+                  </a:schemeClr>
+                </a:solidFill>
+                <a:latin typeface="微软雅黑" panose="020B0503020204020204" pitchFamily="34" charset="-122"/>
+                <a:ea typeface="微软雅黑" panose="020B0503020204020204" pitchFamily="34" charset="-122"/>
+                <a:cs typeface="+mj-cs"/>
+              </a:rPr>
+              <a:t>葛美玲</a:t>
+            </a:r>
+          </a:p>
+        </p:txBody>
+      </p:sp>
     </p:spTree>
     <p:extLst>
       <p:ext uri="{BB962C8B-B14F-4D97-AF65-F5344CB8AC3E}">
@@ -5972,6 +6036,7 @@
           </a:bodyPr>
           <a:lstStyle/>
           <a:p>
+            <a:pPr algn="l"/>
             <a:r>
               <a:rPr lang="zh-CN" altLang="en-US" sz="2400" dirty="0">
                 <a:solidFill>
@@ -6279,6 +6344,7 @@
           </a:bodyPr>
           <a:lstStyle/>
           <a:p>
+            <a:pPr algn="l"/>
             <a:r>
               <a:rPr lang="zh-CN" altLang="en-US" sz="2400" dirty="0">
                 <a:solidFill>
@@ -6626,6 +6692,7 @@
           </a:bodyPr>
           <a:lstStyle/>
           <a:p>
+            <a:pPr algn="l"/>
             <a:r>
               <a:rPr lang="zh-CN" altLang="en-US" sz="2400" dirty="0">
                 <a:solidFill>
@@ -6653,7 +6720,7 @@
                 <a:latin typeface="微软雅黑" panose="020B0503020204020204" pitchFamily="34" charset="-122"/>
                 <a:ea typeface="微软雅黑" panose="020B0503020204020204" pitchFamily="34" charset="-122"/>
               </a:rPr>
-              <a:t> 月光宝盒：玩家控制的人物，手里有个月光宝盒，可以选择在特定的时间回到过去，达到改变未来的目的。玩家控制的人物，他的妻子意外死亡，现在他想查明妻子死亡的真相，并拯救妻子的性命。在不同的关卡会看到不同的故事和线索，玩家根据线索可以选择在场景里打乱重要情节的走向，起到改变未来的作用，同时错误的选择也会导致任务失败。关卡只能从最前往后选择进入，但通过的关卡玩家可以选择使用月光宝盒重新进入并选择，前面的关卡里的选择会影响后面关卡的故事走向，关卡顺序为时间顺序，从历史往现在。</a:t>
+              <a:t>月光宝盒：玩家控制的人物，手里有个月光宝盒，可以选择在特定的时间回到过去，达到改变未来的目的。玩家控制的人物，他的妻子意外死亡，现在他想查明妻子死亡的真相，并拯救妻子的性命。在不同的关卡会看到不同的故事和线索，玩家根据线索可以选择在场景里打乱重要情节的走向，起到改变未来的作用，同时错误的选择也会导致任务失败。关卡只能从最前往后选择进入，但通过的关卡玩家可以选择使用月光宝盒重新进入并选择，前面的关卡里的选择会影响后面关卡的故事走向，关卡顺序为时间顺序，从历史往现在。</a:t>
             </a:r>
             <a:endParaRPr lang="zh-CN" altLang="en-US" sz="2400" dirty="0">
               <a:solidFill>
@@ -6873,6 +6940,846 @@
     <p:extLst>
       <p:ext uri="{BB962C8B-B14F-4D97-AF65-F5344CB8AC3E}">
         <p14:creationId xmlns:p14="http://schemas.microsoft.com/office/powerpoint/2010/main" val="2807332785"/>
+      </p:ext>
+    </p:extLst>
+  </p:cSld>
+  <p:clrMapOvr>
+    <a:masterClrMapping/>
+  </p:clrMapOvr>
+</p:sld>
+</file>
+
+<file path=ppt/slides/slide5.xml><?xml version="1.0" encoding="utf-8"?>
+<p:sld xmlns:a="http://schemas.openxmlformats.org/drawingml/2006/main" xmlns:r="http://schemas.openxmlformats.org/officeDocument/2006/relationships" xmlns:p="http://schemas.openxmlformats.org/presentationml/2006/main">
+  <p:cSld>
+    <p:spTree>
+      <p:nvGrpSpPr>
+        <p:cNvPr id="1" name=""/>
+        <p:cNvGrpSpPr/>
+        <p:nvPr/>
+      </p:nvGrpSpPr>
+      <p:grpSpPr>
+        <a:xfrm>
+          <a:off x="0" y="0"/>
+          <a:ext cx="0" cy="0"/>
+          <a:chOff x="0" y="0"/>
+          <a:chExt cx="0" cy="0"/>
+        </a:xfrm>
+      </p:grpSpPr>
+      <p:sp>
+        <p:nvSpPr>
+          <p:cNvPr id="2" name="标题 1">
+            <a:extLst>
+              <a:ext uri="{FF2B5EF4-FFF2-40B4-BE49-F238E27FC236}">
+                <a16:creationId xmlns:a16="http://schemas.microsoft.com/office/drawing/2014/main" id="{9966A736-6725-424C-A595-14A5A8C12A18}"/>
+              </a:ext>
+            </a:extLst>
+          </p:cNvPr>
+          <p:cNvSpPr>
+            <a:spLocks noGrp="1"/>
+          </p:cNvSpPr>
+          <p:nvPr>
+            <p:ph type="ctrTitle"/>
+          </p:nvPr>
+        </p:nvSpPr>
+        <p:spPr>
+          <a:xfrm>
+            <a:off x="2974019" y="2238375"/>
+            <a:ext cx="6722431" cy="4524315"/>
+          </a:xfrm>
+          <a:noFill/>
+          <a:ln>
+            <a:solidFill>
+              <a:schemeClr val="accent1"/>
+            </a:solidFill>
+          </a:ln>
+        </p:spPr>
+        <p:txBody>
+          <a:bodyPr wrap="square" anchor="t" anchorCtr="0">
+            <a:spAutoFit/>
+          </a:bodyPr>
+          <a:lstStyle/>
+          <a:p>
+            <a:pPr algn="l"/>
+            <a:r>
+              <a:rPr lang="zh-CN" altLang="en-US" sz="1600" dirty="0">
+                <a:solidFill>
+                  <a:srgbClr val="799594"/>
+                </a:solidFill>
+                <a:latin typeface="微软雅黑" panose="020B0503020204020204" pitchFamily="34" charset="-122"/>
+                <a:ea typeface="微软雅黑" panose="020B0503020204020204" pitchFamily="34" charset="-122"/>
+              </a:rPr>
+              <a:t> 戳气球</a:t>
+            </a:r>
+            <a:r>
+              <a:rPr lang="en-US" altLang="zh-CN" sz="1600" dirty="0">
+                <a:solidFill>
+                  <a:srgbClr val="799594"/>
+                </a:solidFill>
+                <a:latin typeface="微软雅黑" panose="020B0503020204020204" pitchFamily="34" charset="-122"/>
+                <a:ea typeface="微软雅黑" panose="020B0503020204020204" pitchFamily="34" charset="-122"/>
+              </a:rPr>
+              <a:t>:</a:t>
+            </a:r>
+            <a:r>
+              <a:rPr lang="zh-CN" altLang="en-US" sz="1600" dirty="0">
+                <a:solidFill>
+                  <a:srgbClr val="799594"/>
+                </a:solidFill>
+                <a:latin typeface="微软雅黑" panose="020B0503020204020204" pitchFamily="34" charset="-122"/>
+                <a:ea typeface="微软雅黑" panose="020B0503020204020204" pitchFamily="34" charset="-122"/>
+              </a:rPr>
+              <a:t>有很多不同颜色的气球从天上往下掉，玩家需要操控手指戳破某一种颜色的气球即可，戳破气球会发生爆炸声。如果在限定时间内打破正确的气球越多加分越高，打破错误颜色的气球则会扣分。不超时且分数达到指定目标则通过成功。耗时越少通关星星越多，会获得更多奖励道具。道具包含但不限于</a:t>
+            </a:r>
+            <a:r>
+              <a:rPr lang="en-US" altLang="zh-CN" sz="1600" dirty="0">
+                <a:solidFill>
+                  <a:srgbClr val="799594"/>
+                </a:solidFill>
+                <a:latin typeface="微软雅黑" panose="020B0503020204020204" pitchFamily="34" charset="-122"/>
+                <a:ea typeface="微软雅黑" panose="020B0503020204020204" pitchFamily="34" charset="-122"/>
+              </a:rPr>
+              <a:t>:</a:t>
+            </a:r>
+            <a:r>
+              <a:rPr lang="zh-CN" altLang="en-US" sz="1600" dirty="0">
+                <a:solidFill>
+                  <a:srgbClr val="799594"/>
+                </a:solidFill>
+                <a:latin typeface="微软雅黑" panose="020B0503020204020204" pitchFamily="34" charset="-122"/>
+                <a:ea typeface="微软雅黑" panose="020B0503020204020204" pitchFamily="34" charset="-122"/>
+              </a:rPr>
+              <a:t>加分道具，加时间道具，也有减时间等</a:t>
+            </a:r>
+            <a:r>
+              <a:rPr lang="en-US" altLang="zh-CN" sz="1600" dirty="0" err="1">
+                <a:solidFill>
+                  <a:srgbClr val="799594"/>
+                </a:solidFill>
+                <a:latin typeface="微软雅黑" panose="020B0503020204020204" pitchFamily="34" charset="-122"/>
+                <a:ea typeface="微软雅黑" panose="020B0503020204020204" pitchFamily="34" charset="-122"/>
+              </a:rPr>
+              <a:t>debuff</a:t>
+            </a:r>
+            <a:r>
+              <a:rPr lang="zh-CN" altLang="en-US" sz="1600" dirty="0">
+                <a:solidFill>
+                  <a:srgbClr val="799594"/>
+                </a:solidFill>
+                <a:latin typeface="微软雅黑" panose="020B0503020204020204" pitchFamily="34" charset="-122"/>
+                <a:ea typeface="微软雅黑" panose="020B0503020204020204" pitchFamily="34" charset="-122"/>
+              </a:rPr>
+              <a:t>道具等。在打破正确气球的同时可能也有道具掉落，打到错误气球也有可能触发</a:t>
+            </a:r>
+            <a:r>
+              <a:rPr lang="en-US" altLang="zh-CN" sz="1600" dirty="0" err="1">
+                <a:solidFill>
+                  <a:srgbClr val="799594"/>
+                </a:solidFill>
+                <a:latin typeface="微软雅黑" panose="020B0503020204020204" pitchFamily="34" charset="-122"/>
+                <a:ea typeface="微软雅黑" panose="020B0503020204020204" pitchFamily="34" charset="-122"/>
+              </a:rPr>
+              <a:t>debuff</a:t>
+            </a:r>
+            <a:r>
+              <a:rPr lang="zh-CN" altLang="en-US" sz="1600" dirty="0">
+                <a:solidFill>
+                  <a:srgbClr val="799594"/>
+                </a:solidFill>
+                <a:latin typeface="微软雅黑" panose="020B0503020204020204" pitchFamily="34" charset="-122"/>
+                <a:ea typeface="微软雅黑" panose="020B0503020204020204" pitchFamily="34" charset="-122"/>
+              </a:rPr>
+              <a:t>道具。</a:t>
+            </a:r>
+            <a:br>
+              <a:rPr lang="en-US" altLang="zh-CN" sz="1600" dirty="0">
+                <a:solidFill>
+                  <a:srgbClr val="799594"/>
+                </a:solidFill>
+                <a:latin typeface="微软雅黑" panose="020B0503020204020204" pitchFamily="34" charset="-122"/>
+                <a:ea typeface="微软雅黑" panose="020B0503020204020204" pitchFamily="34" charset="-122"/>
+              </a:rPr>
+            </a:br>
+            <a:r>
+              <a:rPr lang="zh-CN" altLang="en-US" sz="1600" dirty="0">
+                <a:solidFill>
+                  <a:srgbClr val="799594"/>
+                </a:solidFill>
+                <a:latin typeface="微软雅黑" panose="020B0503020204020204" pitchFamily="34" charset="-122"/>
+                <a:ea typeface="微软雅黑" panose="020B0503020204020204" pitchFamily="34" charset="-122"/>
+              </a:rPr>
+              <a:t>具体戳破哪种颜色的气球：类似逻辑计算题，或者数学题，拼图等，得知具体选择哪种颜色对应的气球。计时从游戏开始算起。避免玩家第一个气球选择时通过试探获取答案，规则是第一个气球戳错扣分较多，若从开头连续戳破错误气球则会越扣越多。关卡通关失败可以重新来，但每一关的题目随机。但是原则是越后面的关卡题目越难，且要求分数越高。可为每一关设置大于</a:t>
+            </a:r>
+            <a:r>
+              <a:rPr lang="en-US" altLang="zh-CN" sz="1600" dirty="0">
+                <a:solidFill>
+                  <a:srgbClr val="799594"/>
+                </a:solidFill>
+                <a:latin typeface="微软雅黑" panose="020B0503020204020204" pitchFamily="34" charset="-122"/>
+                <a:ea typeface="微软雅黑" panose="020B0503020204020204" pitchFamily="34" charset="-122"/>
+              </a:rPr>
+              <a:t>10</a:t>
+            </a:r>
+            <a:r>
+              <a:rPr lang="zh-CN" altLang="en-US" sz="1600" dirty="0">
+                <a:solidFill>
+                  <a:srgbClr val="799594"/>
+                </a:solidFill>
+                <a:latin typeface="微软雅黑" panose="020B0503020204020204" pitchFamily="34" charset="-122"/>
+                <a:ea typeface="微软雅黑" panose="020B0503020204020204" pitchFamily="34" charset="-122"/>
+              </a:rPr>
+              <a:t>种的题库。</a:t>
+            </a:r>
+            <a:br>
+              <a:rPr lang="en-US" altLang="zh-CN" sz="1600" dirty="0">
+                <a:solidFill>
+                  <a:srgbClr val="799594"/>
+                </a:solidFill>
+                <a:latin typeface="微软雅黑" panose="020B0503020204020204" pitchFamily="34" charset="-122"/>
+                <a:ea typeface="微软雅黑" panose="020B0503020204020204" pitchFamily="34" charset="-122"/>
+              </a:rPr>
+            </a:br>
+            <a:br>
+              <a:rPr lang="en-US" altLang="zh-CN" sz="1600" dirty="0">
+                <a:solidFill>
+                  <a:srgbClr val="799594"/>
+                </a:solidFill>
+                <a:latin typeface="微软雅黑" panose="020B0503020204020204" pitchFamily="34" charset="-122"/>
+                <a:ea typeface="微软雅黑" panose="020B0503020204020204" pitchFamily="34" charset="-122"/>
+              </a:rPr>
+            </a:br>
+            <a:r>
+              <a:rPr lang="zh-CN" altLang="en-US" sz="1600" dirty="0">
+                <a:solidFill>
+                  <a:srgbClr val="799594"/>
+                </a:solidFill>
+                <a:latin typeface="微软雅黑" panose="020B0503020204020204" pitchFamily="34" charset="-122"/>
+                <a:ea typeface="微软雅黑" panose="020B0503020204020204" pitchFamily="34" charset="-122"/>
+              </a:rPr>
+              <a:t>关卡设计：具体可以分为几个大关卡，大关卡套小关卡，关卡主题根据题目来定，比如数学关卡，找茬关卡，拼图关卡，逻辑题关卡等。</a:t>
+            </a:r>
+            <a:br>
+              <a:rPr lang="en-US" altLang="zh-CN" sz="1600" dirty="0">
+                <a:solidFill>
+                  <a:srgbClr val="799594"/>
+                </a:solidFill>
+                <a:latin typeface="微软雅黑" panose="020B0503020204020204" pitchFamily="34" charset="-122"/>
+                <a:ea typeface="微软雅黑" panose="020B0503020204020204" pitchFamily="34" charset="-122"/>
+              </a:rPr>
+            </a:br>
+            <a:br>
+              <a:rPr lang="en-US" altLang="zh-CN" sz="1600" dirty="0">
+                <a:solidFill>
+                  <a:srgbClr val="799594"/>
+                </a:solidFill>
+                <a:latin typeface="微软雅黑" panose="020B0503020204020204" pitchFamily="34" charset="-122"/>
+                <a:ea typeface="微软雅黑" panose="020B0503020204020204" pitchFamily="34" charset="-122"/>
+              </a:rPr>
+            </a:br>
+            <a:r>
+              <a:rPr lang="zh-CN" altLang="en-US" sz="1600" dirty="0">
+                <a:solidFill>
+                  <a:srgbClr val="799594"/>
+                </a:solidFill>
+                <a:latin typeface="微软雅黑" panose="020B0503020204020204" pitchFamily="34" charset="-122"/>
+                <a:ea typeface="微软雅黑" panose="020B0503020204020204" pitchFamily="34" charset="-122"/>
+              </a:rPr>
+              <a:t>考验玩家的逻辑思维能力，数学能力，找茬能力等，以及手速。</a:t>
+            </a:r>
+            <a:endParaRPr lang="zh-CN" altLang="en-US" sz="1600" dirty="0">
+              <a:solidFill>
+                <a:schemeClr val="accent5">
+                  <a:lumMod val="50000"/>
+                </a:schemeClr>
+              </a:solidFill>
+              <a:latin typeface="微软雅黑" panose="020B0503020204020204" pitchFamily="34" charset="-122"/>
+              <a:ea typeface="微软雅黑" panose="020B0503020204020204" pitchFamily="34" charset="-122"/>
+            </a:endParaRPr>
+          </a:p>
+        </p:txBody>
+      </p:sp>
+      <p:sp>
+        <p:nvSpPr>
+          <p:cNvPr id="19" name="思想气泡: 云 18">
+            <a:extLst>
+              <a:ext uri="{FF2B5EF4-FFF2-40B4-BE49-F238E27FC236}">
+                <a16:creationId xmlns:a16="http://schemas.microsoft.com/office/drawing/2014/main" id="{F642D744-7AA8-4952-BEDD-F2CB32E3A95A}"/>
+              </a:ext>
+            </a:extLst>
+          </p:cNvPr>
+          <p:cNvSpPr/>
+          <p:nvPr/>
+        </p:nvSpPr>
+        <p:spPr>
+          <a:xfrm>
+            <a:off x="1485899" y="352425"/>
+            <a:ext cx="2466975" cy="1724025"/>
+          </a:xfrm>
+          <a:prstGeom prst="cloudCallout">
+            <a:avLst>
+              <a:gd name="adj1" fmla="val -89583"/>
+              <a:gd name="adj2" fmla="val 143346"/>
+            </a:avLst>
+          </a:prstGeom>
+        </p:spPr>
+        <p:style>
+          <a:lnRef idx="2">
+            <a:schemeClr val="accent1">
+              <a:shade val="50000"/>
+            </a:schemeClr>
+          </a:lnRef>
+          <a:fillRef idx="1">
+            <a:schemeClr val="accent1"/>
+          </a:fillRef>
+          <a:effectRef idx="0">
+            <a:schemeClr val="accent1"/>
+          </a:effectRef>
+          <a:fontRef idx="minor">
+            <a:schemeClr val="lt1"/>
+          </a:fontRef>
+        </p:style>
+        <p:txBody>
+          <a:bodyPr rtlCol="0" anchor="ctr"/>
+          <a:lstStyle/>
+          <a:p>
+            <a:pPr algn="ctr"/>
+            <a:r>
+              <a:rPr lang="zh-CN" altLang="en-US" sz="2400" dirty="0">
+                <a:latin typeface="微软雅黑" panose="020B0503020204020204" pitchFamily="34" charset="-122"/>
+                <a:ea typeface="微软雅黑" panose="020B0503020204020204" pitchFamily="34" charset="-122"/>
+              </a:rPr>
+              <a:t>△休闲游戏</a:t>
+            </a:r>
+            <a:endParaRPr lang="en-US" altLang="zh-CN" sz="2400" dirty="0">
+              <a:latin typeface="微软雅黑" panose="020B0503020204020204" pitchFamily="34" charset="-122"/>
+              <a:ea typeface="微软雅黑" panose="020B0503020204020204" pitchFamily="34" charset="-122"/>
+            </a:endParaRPr>
+          </a:p>
+          <a:p>
+            <a:pPr algn="ctr"/>
+            <a:r>
+              <a:rPr lang="zh-CN" altLang="en-US" sz="2400" dirty="0">
+                <a:latin typeface="微软雅黑" panose="020B0503020204020204" pitchFamily="34" charset="-122"/>
+                <a:ea typeface="微软雅黑" panose="020B0503020204020204" pitchFamily="34" charset="-122"/>
+              </a:rPr>
+              <a:t>△娱乐向</a:t>
+            </a:r>
+            <a:endParaRPr lang="en-US" altLang="zh-CN" sz="2400" dirty="0">
+              <a:latin typeface="微软雅黑" panose="020B0503020204020204" pitchFamily="34" charset="-122"/>
+              <a:ea typeface="微软雅黑" panose="020B0503020204020204" pitchFamily="34" charset="-122"/>
+            </a:endParaRPr>
+          </a:p>
+          <a:p>
+            <a:pPr algn="ctr"/>
+            <a:r>
+              <a:rPr lang="zh-CN" altLang="en-US" sz="2400" dirty="0">
+                <a:latin typeface="微软雅黑" panose="020B0503020204020204" pitchFamily="34" charset="-122"/>
+                <a:ea typeface="微软雅黑" panose="020B0503020204020204" pitchFamily="34" charset="-122"/>
+              </a:rPr>
+              <a:t>△</a:t>
+            </a:r>
+            <a:r>
+              <a:rPr lang="en-US" altLang="zh-CN" sz="2400" dirty="0">
+                <a:latin typeface="微软雅黑" panose="020B0503020204020204" pitchFamily="34" charset="-122"/>
+                <a:ea typeface="微软雅黑" panose="020B0503020204020204" pitchFamily="34" charset="-122"/>
+              </a:rPr>
+              <a:t>2D</a:t>
+            </a:r>
+            <a:endParaRPr lang="zh-CN" altLang="en-US" sz="2400" dirty="0">
+              <a:latin typeface="微软雅黑" panose="020B0503020204020204" pitchFamily="34" charset="-122"/>
+              <a:ea typeface="微软雅黑" panose="020B0503020204020204" pitchFamily="34" charset="-122"/>
+            </a:endParaRPr>
+          </a:p>
+        </p:txBody>
+      </p:sp>
+      <p:pic>
+        <p:nvPicPr>
+          <p:cNvPr id="16" name="图形 15" descr="雨">
+            <a:extLst>
+              <a:ext uri="{FF2B5EF4-FFF2-40B4-BE49-F238E27FC236}">
+                <a16:creationId xmlns:a16="http://schemas.microsoft.com/office/drawing/2014/main" id="{A66764DE-84C7-42F2-8EAC-7C4BC1E65A0F}"/>
+              </a:ext>
+            </a:extLst>
+          </p:cNvPr>
+          <p:cNvPicPr>
+            <a:picLocks noChangeAspect="1"/>
+          </p:cNvPicPr>
+          <p:nvPr/>
+        </p:nvPicPr>
+        <p:blipFill>
+          <a:blip r:embed="rId2">
+            <a:extLst>
+              <a:ext uri="{96DAC541-7B7A-43D3-8B79-37D633B846F1}">
+                <asvg:svgBlip xmlns:asvg="http://schemas.microsoft.com/office/drawing/2016/SVG/main" r:embed="rId3"/>
+              </a:ext>
+            </a:extLst>
+          </a:blip>
+          <a:stretch>
+            <a:fillRect/>
+          </a:stretch>
+        </p:blipFill>
+        <p:spPr>
+          <a:xfrm>
+            <a:off x="542924" y="1704975"/>
+            <a:ext cx="914400" cy="914400"/>
+          </a:xfrm>
+          <a:prstGeom prst="rect">
+            <a:avLst/>
+          </a:prstGeom>
+        </p:spPr>
+      </p:pic>
+      <p:pic>
+        <p:nvPicPr>
+          <p:cNvPr id="18" name="图形 17" descr="太阳">
+            <a:extLst>
+              <a:ext uri="{FF2B5EF4-FFF2-40B4-BE49-F238E27FC236}">
+                <a16:creationId xmlns:a16="http://schemas.microsoft.com/office/drawing/2014/main" id="{4FA1B28E-AEAE-4EEF-B7D5-AE09C4275A14}"/>
+              </a:ext>
+            </a:extLst>
+          </p:cNvPr>
+          <p:cNvPicPr>
+            <a:picLocks noChangeAspect="1"/>
+          </p:cNvPicPr>
+          <p:nvPr/>
+        </p:nvPicPr>
+        <p:blipFill>
+          <a:blip r:embed="rId4">
+            <a:extLst>
+              <a:ext uri="{96DAC541-7B7A-43D3-8B79-37D633B846F1}">
+                <asvg:svgBlip xmlns:asvg="http://schemas.microsoft.com/office/drawing/2016/SVG/main" r:embed="rId5"/>
+              </a:ext>
+            </a:extLst>
+          </a:blip>
+          <a:stretch>
+            <a:fillRect/>
+          </a:stretch>
+        </p:blipFill>
+        <p:spPr>
+          <a:xfrm>
+            <a:off x="1485899" y="2619375"/>
+            <a:ext cx="914400" cy="914400"/>
+          </a:xfrm>
+          <a:prstGeom prst="rect">
+            <a:avLst/>
+          </a:prstGeom>
+        </p:spPr>
+      </p:pic>
+      <p:pic>
+        <p:nvPicPr>
+          <p:cNvPr id="21" name="图形 20" descr="雪">
+            <a:extLst>
+              <a:ext uri="{FF2B5EF4-FFF2-40B4-BE49-F238E27FC236}">
+                <a16:creationId xmlns:a16="http://schemas.microsoft.com/office/drawing/2014/main" id="{18B44C1B-E0EB-4BF6-B4C7-0215F825E2AA}"/>
+              </a:ext>
+            </a:extLst>
+          </p:cNvPr>
+          <p:cNvPicPr>
+            <a:picLocks noChangeAspect="1"/>
+          </p:cNvPicPr>
+          <p:nvPr/>
+        </p:nvPicPr>
+        <p:blipFill>
+          <a:blip r:embed="rId6">
+            <a:extLst>
+              <a:ext uri="{96DAC541-7B7A-43D3-8B79-37D633B846F1}">
+                <asvg:svgBlip xmlns:asvg="http://schemas.microsoft.com/office/drawing/2016/SVG/main" r:embed="rId7"/>
+              </a:ext>
+            </a:extLst>
+          </a:blip>
+          <a:stretch>
+            <a:fillRect/>
+          </a:stretch>
+        </p:blipFill>
+        <p:spPr>
+          <a:xfrm>
+            <a:off x="571499" y="3429000"/>
+            <a:ext cx="914400" cy="914400"/>
+          </a:xfrm>
+          <a:prstGeom prst="rect">
+            <a:avLst/>
+          </a:prstGeom>
+        </p:spPr>
+      </p:pic>
+    </p:spTree>
+    <p:extLst>
+      <p:ext uri="{BB962C8B-B14F-4D97-AF65-F5344CB8AC3E}">
+        <p14:creationId xmlns:p14="http://schemas.microsoft.com/office/powerpoint/2010/main" val="3370414249"/>
+      </p:ext>
+    </p:extLst>
+  </p:cSld>
+  <p:clrMapOvr>
+    <a:masterClrMapping/>
+  </p:clrMapOvr>
+</p:sld>
+</file>
+
+<file path=ppt/slides/slide6.xml><?xml version="1.0" encoding="utf-8"?>
+<p:sld xmlns:a="http://schemas.openxmlformats.org/drawingml/2006/main" xmlns:r="http://schemas.openxmlformats.org/officeDocument/2006/relationships" xmlns:p="http://schemas.openxmlformats.org/presentationml/2006/main">
+  <p:cSld>
+    <p:spTree>
+      <p:nvGrpSpPr>
+        <p:cNvPr id="1" name=""/>
+        <p:cNvGrpSpPr/>
+        <p:nvPr/>
+      </p:nvGrpSpPr>
+      <p:grpSpPr>
+        <a:xfrm>
+          <a:off x="0" y="0"/>
+          <a:ext cx="0" cy="0"/>
+          <a:chOff x="0" y="0"/>
+          <a:chExt cx="0" cy="0"/>
+        </a:xfrm>
+      </p:grpSpPr>
+      <p:sp>
+        <p:nvSpPr>
+          <p:cNvPr id="2" name="标题 1">
+            <a:extLst>
+              <a:ext uri="{FF2B5EF4-FFF2-40B4-BE49-F238E27FC236}">
+                <a16:creationId xmlns:a16="http://schemas.microsoft.com/office/drawing/2014/main" id="{9966A736-6725-424C-A595-14A5A8C12A18}"/>
+              </a:ext>
+            </a:extLst>
+          </p:cNvPr>
+          <p:cNvSpPr>
+            <a:spLocks noGrp="1"/>
+          </p:cNvSpPr>
+          <p:nvPr>
+            <p:ph type="ctrTitle"/>
+          </p:nvPr>
+        </p:nvSpPr>
+        <p:spPr>
+          <a:xfrm>
+            <a:off x="2974019" y="2238375"/>
+            <a:ext cx="6722431" cy="3046988"/>
+          </a:xfrm>
+          <a:noFill/>
+          <a:ln>
+            <a:solidFill>
+              <a:schemeClr val="accent1"/>
+            </a:solidFill>
+          </a:ln>
+        </p:spPr>
+        <p:txBody>
+          <a:bodyPr wrap="square" anchor="t" anchorCtr="0">
+            <a:spAutoFit/>
+          </a:bodyPr>
+          <a:lstStyle/>
+          <a:p>
+            <a:pPr algn="l"/>
+            <a:r>
+              <a:rPr lang="zh-CN" altLang="en-US" sz="1600" dirty="0">
+                <a:solidFill>
+                  <a:srgbClr val="799594"/>
+                </a:solidFill>
+                <a:latin typeface="微软雅黑" panose="020B0503020204020204" pitchFamily="34" charset="-122"/>
+                <a:ea typeface="微软雅黑" panose="020B0503020204020204" pitchFamily="34" charset="-122"/>
+              </a:rPr>
+              <a:t> 扶我起来：</a:t>
+            </a:r>
+            <a:br>
+              <a:rPr lang="en-US" altLang="zh-CN" sz="1600" dirty="0">
+                <a:solidFill>
+                  <a:srgbClr val="799594"/>
+                </a:solidFill>
+                <a:latin typeface="微软雅黑" panose="020B0503020204020204" pitchFamily="34" charset="-122"/>
+                <a:ea typeface="微软雅黑" panose="020B0503020204020204" pitchFamily="34" charset="-122"/>
+              </a:rPr>
+            </a:br>
+            <a:r>
+              <a:rPr lang="zh-CN" altLang="en-US" sz="1600" dirty="0">
+                <a:solidFill>
+                  <a:srgbClr val="799594"/>
+                </a:solidFill>
+                <a:latin typeface="微软雅黑" panose="020B0503020204020204" pitchFamily="34" charset="-122"/>
+                <a:ea typeface="微软雅黑" panose="020B0503020204020204" pitchFamily="34" charset="-122"/>
+              </a:rPr>
+              <a:t>设定游戏主人公老杰克年纪大了腿脚不好，但是很喜欢到处溜达。有时候在台阶有时候在光滑的冰面或者凹凸不平的地方等。杰克走路很容易摔倒，这时候需要你去扶他起来，但是具体怎么扶他起来使用什么工具，需要借助路上的各种工具，也要考虑不同的地面环境适合什么样的道具。（参考机械迷城）如看到几截铁棍，和螺丝，把铁棍和螺丝组合可以做一个拐杖等。</a:t>
+            </a:r>
+            <a:br>
+              <a:rPr lang="en-US" altLang="zh-CN" sz="1600" dirty="0">
+                <a:solidFill>
+                  <a:srgbClr val="799594"/>
+                </a:solidFill>
+                <a:latin typeface="微软雅黑" panose="020B0503020204020204" pitchFamily="34" charset="-122"/>
+                <a:ea typeface="微软雅黑" panose="020B0503020204020204" pitchFamily="34" charset="-122"/>
+              </a:rPr>
+            </a:br>
+            <a:r>
+              <a:rPr lang="zh-CN" altLang="en-US" sz="1600" dirty="0">
+                <a:solidFill>
+                  <a:srgbClr val="799594"/>
+                </a:solidFill>
+                <a:latin typeface="微软雅黑" panose="020B0503020204020204" pitchFamily="34" charset="-122"/>
+                <a:ea typeface="微软雅黑" panose="020B0503020204020204" pitchFamily="34" charset="-122"/>
+              </a:rPr>
+              <a:t>游戏为关卡向，偏向于解谜游戏。</a:t>
+            </a:r>
+            <a:br>
+              <a:rPr lang="en-US" altLang="zh-CN" sz="1600" dirty="0">
+                <a:solidFill>
+                  <a:srgbClr val="799594"/>
+                </a:solidFill>
+                <a:latin typeface="微软雅黑" panose="020B0503020204020204" pitchFamily="34" charset="-122"/>
+                <a:ea typeface="微软雅黑" panose="020B0503020204020204" pitchFamily="34" charset="-122"/>
+              </a:rPr>
+            </a:br>
+            <a:r>
+              <a:rPr lang="zh-CN" altLang="en-US" sz="1600" dirty="0">
+                <a:solidFill>
+                  <a:srgbClr val="799594"/>
+                </a:solidFill>
+                <a:latin typeface="微软雅黑" panose="020B0503020204020204" pitchFamily="34" charset="-122"/>
+                <a:ea typeface="微软雅黑" panose="020B0503020204020204" pitchFamily="34" charset="-122"/>
+              </a:rPr>
+              <a:t>当一个关卡玩家尝试了制作工具却没扶起来，杰克就嘲讽玩家，比如说玩家是绣花枕头之类，想我年轻的时候</a:t>
+            </a:r>
+            <a:r>
+              <a:rPr lang="en-US" altLang="zh-CN" sz="1600">
+                <a:solidFill>
+                  <a:srgbClr val="799594"/>
+                </a:solidFill>
+                <a:latin typeface="微软雅黑" panose="020B0503020204020204" pitchFamily="34" charset="-122"/>
+                <a:ea typeface="微软雅黑" panose="020B0503020204020204" pitchFamily="34" charset="-122"/>
+              </a:rPr>
+              <a:t>xxx</a:t>
+            </a:r>
+            <a:r>
+              <a:rPr lang="zh-CN" altLang="en-US" sz="1600">
+                <a:solidFill>
+                  <a:srgbClr val="799594"/>
+                </a:solidFill>
+                <a:latin typeface="微软雅黑" panose="020B0503020204020204" pitchFamily="34" charset="-122"/>
+                <a:ea typeface="微软雅黑" panose="020B0503020204020204" pitchFamily="34" charset="-122"/>
+              </a:rPr>
+              <a:t>。</a:t>
+            </a:r>
+            <a:r>
+              <a:rPr lang="zh-CN" altLang="en-US" sz="1600" dirty="0">
+                <a:solidFill>
+                  <a:srgbClr val="799594"/>
+                </a:solidFill>
+                <a:latin typeface="微软雅黑" panose="020B0503020204020204" pitchFamily="34" charset="-122"/>
+                <a:ea typeface="微软雅黑" panose="020B0503020204020204" pitchFamily="34" charset="-122"/>
+              </a:rPr>
+              <a:t>（增加互动）玩家在解密过程中杰克会不时地大喊“快扶我起来！”等，通关成功杰克会对玩家说：孩子，干得漂亮！</a:t>
+            </a:r>
+            <a:endParaRPr lang="zh-CN" altLang="en-US" sz="1600" dirty="0">
+              <a:solidFill>
+                <a:schemeClr val="accent5">
+                  <a:lumMod val="50000"/>
+                </a:schemeClr>
+              </a:solidFill>
+              <a:latin typeface="微软雅黑" panose="020B0503020204020204" pitchFamily="34" charset="-122"/>
+              <a:ea typeface="微软雅黑" panose="020B0503020204020204" pitchFamily="34" charset="-122"/>
+            </a:endParaRPr>
+          </a:p>
+        </p:txBody>
+      </p:sp>
+      <p:sp>
+        <p:nvSpPr>
+          <p:cNvPr id="19" name="思想气泡: 云 18">
+            <a:extLst>
+              <a:ext uri="{FF2B5EF4-FFF2-40B4-BE49-F238E27FC236}">
+                <a16:creationId xmlns:a16="http://schemas.microsoft.com/office/drawing/2014/main" id="{F642D744-7AA8-4952-BEDD-F2CB32E3A95A}"/>
+              </a:ext>
+            </a:extLst>
+          </p:cNvPr>
+          <p:cNvSpPr/>
+          <p:nvPr/>
+        </p:nvSpPr>
+        <p:spPr>
+          <a:xfrm>
+            <a:off x="1485899" y="352425"/>
+            <a:ext cx="2466975" cy="1724025"/>
+          </a:xfrm>
+          <a:prstGeom prst="cloudCallout">
+            <a:avLst>
+              <a:gd name="adj1" fmla="val -89583"/>
+              <a:gd name="adj2" fmla="val 143346"/>
+            </a:avLst>
+          </a:prstGeom>
+        </p:spPr>
+        <p:style>
+          <a:lnRef idx="2">
+            <a:schemeClr val="accent1">
+              <a:shade val="50000"/>
+            </a:schemeClr>
+          </a:lnRef>
+          <a:fillRef idx="1">
+            <a:schemeClr val="accent1"/>
+          </a:fillRef>
+          <a:effectRef idx="0">
+            <a:schemeClr val="accent1"/>
+          </a:effectRef>
+          <a:fontRef idx="minor">
+            <a:schemeClr val="lt1"/>
+          </a:fontRef>
+        </p:style>
+        <p:txBody>
+          <a:bodyPr rtlCol="0" anchor="ctr"/>
+          <a:lstStyle/>
+          <a:p>
+            <a:pPr algn="ctr"/>
+            <a:r>
+              <a:rPr lang="zh-CN" altLang="en-US" sz="2400" dirty="0">
+                <a:latin typeface="微软雅黑" panose="020B0503020204020204" pitchFamily="34" charset="-122"/>
+                <a:ea typeface="微软雅黑" panose="020B0503020204020204" pitchFamily="34" charset="-122"/>
+              </a:rPr>
+              <a:t>△解密游戏</a:t>
+            </a:r>
+            <a:endParaRPr lang="en-US" altLang="zh-CN" sz="2400" dirty="0">
+              <a:latin typeface="微软雅黑" panose="020B0503020204020204" pitchFamily="34" charset="-122"/>
+              <a:ea typeface="微软雅黑" panose="020B0503020204020204" pitchFamily="34" charset="-122"/>
+            </a:endParaRPr>
+          </a:p>
+          <a:p>
+            <a:pPr algn="ctr"/>
+            <a:r>
+              <a:rPr lang="zh-CN" altLang="en-US" sz="2400" dirty="0">
+                <a:latin typeface="微软雅黑" panose="020B0503020204020204" pitchFamily="34" charset="-122"/>
+                <a:ea typeface="微软雅黑" panose="020B0503020204020204" pitchFamily="34" charset="-122"/>
+              </a:rPr>
+              <a:t>△娱乐向</a:t>
+            </a:r>
+            <a:endParaRPr lang="en-US" altLang="zh-CN" sz="2400" dirty="0">
+              <a:latin typeface="微软雅黑" panose="020B0503020204020204" pitchFamily="34" charset="-122"/>
+              <a:ea typeface="微软雅黑" panose="020B0503020204020204" pitchFamily="34" charset="-122"/>
+            </a:endParaRPr>
+          </a:p>
+          <a:p>
+            <a:pPr algn="ctr"/>
+            <a:r>
+              <a:rPr lang="zh-CN" altLang="en-US" sz="2400" dirty="0">
+                <a:latin typeface="微软雅黑" panose="020B0503020204020204" pitchFamily="34" charset="-122"/>
+                <a:ea typeface="微软雅黑" panose="020B0503020204020204" pitchFamily="34" charset="-122"/>
+              </a:rPr>
+              <a:t>△</a:t>
+            </a:r>
+            <a:r>
+              <a:rPr lang="en-US" altLang="zh-CN" sz="2400" dirty="0">
+                <a:latin typeface="微软雅黑" panose="020B0503020204020204" pitchFamily="34" charset="-122"/>
+                <a:ea typeface="微软雅黑" panose="020B0503020204020204" pitchFamily="34" charset="-122"/>
+              </a:rPr>
+              <a:t>2D</a:t>
+            </a:r>
+            <a:endParaRPr lang="zh-CN" altLang="en-US" sz="2400" dirty="0">
+              <a:latin typeface="微软雅黑" panose="020B0503020204020204" pitchFamily="34" charset="-122"/>
+              <a:ea typeface="微软雅黑" panose="020B0503020204020204" pitchFamily="34" charset="-122"/>
+            </a:endParaRPr>
+          </a:p>
+        </p:txBody>
+      </p:sp>
+      <p:pic>
+        <p:nvPicPr>
+          <p:cNvPr id="16" name="图形 15" descr="雨">
+            <a:extLst>
+              <a:ext uri="{FF2B5EF4-FFF2-40B4-BE49-F238E27FC236}">
+                <a16:creationId xmlns:a16="http://schemas.microsoft.com/office/drawing/2014/main" id="{A66764DE-84C7-42F2-8EAC-7C4BC1E65A0F}"/>
+              </a:ext>
+            </a:extLst>
+          </p:cNvPr>
+          <p:cNvPicPr>
+            <a:picLocks noChangeAspect="1"/>
+          </p:cNvPicPr>
+          <p:nvPr/>
+        </p:nvPicPr>
+        <p:blipFill>
+          <a:blip r:embed="rId2">
+            <a:extLst>
+              <a:ext uri="{96DAC541-7B7A-43D3-8B79-37D633B846F1}">
+                <asvg:svgBlip xmlns:asvg="http://schemas.microsoft.com/office/drawing/2016/SVG/main" r:embed="rId3"/>
+              </a:ext>
+            </a:extLst>
+          </a:blip>
+          <a:stretch>
+            <a:fillRect/>
+          </a:stretch>
+        </p:blipFill>
+        <p:spPr>
+          <a:xfrm>
+            <a:off x="542924" y="1704975"/>
+            <a:ext cx="914400" cy="914400"/>
+          </a:xfrm>
+          <a:prstGeom prst="rect">
+            <a:avLst/>
+          </a:prstGeom>
+        </p:spPr>
+      </p:pic>
+      <p:pic>
+        <p:nvPicPr>
+          <p:cNvPr id="18" name="图形 17" descr="太阳">
+            <a:extLst>
+              <a:ext uri="{FF2B5EF4-FFF2-40B4-BE49-F238E27FC236}">
+                <a16:creationId xmlns:a16="http://schemas.microsoft.com/office/drawing/2014/main" id="{4FA1B28E-AEAE-4EEF-B7D5-AE09C4275A14}"/>
+              </a:ext>
+            </a:extLst>
+          </p:cNvPr>
+          <p:cNvPicPr>
+            <a:picLocks noChangeAspect="1"/>
+          </p:cNvPicPr>
+          <p:nvPr/>
+        </p:nvPicPr>
+        <p:blipFill>
+          <a:blip r:embed="rId4">
+            <a:extLst>
+              <a:ext uri="{96DAC541-7B7A-43D3-8B79-37D633B846F1}">
+                <asvg:svgBlip xmlns:asvg="http://schemas.microsoft.com/office/drawing/2016/SVG/main" r:embed="rId5"/>
+              </a:ext>
+            </a:extLst>
+          </a:blip>
+          <a:stretch>
+            <a:fillRect/>
+          </a:stretch>
+        </p:blipFill>
+        <p:spPr>
+          <a:xfrm>
+            <a:off x="1485899" y="2619375"/>
+            <a:ext cx="914400" cy="914400"/>
+          </a:xfrm>
+          <a:prstGeom prst="rect">
+            <a:avLst/>
+          </a:prstGeom>
+        </p:spPr>
+      </p:pic>
+      <p:pic>
+        <p:nvPicPr>
+          <p:cNvPr id="21" name="图形 20" descr="雪">
+            <a:extLst>
+              <a:ext uri="{FF2B5EF4-FFF2-40B4-BE49-F238E27FC236}">
+                <a16:creationId xmlns:a16="http://schemas.microsoft.com/office/drawing/2014/main" id="{18B44C1B-E0EB-4BF6-B4C7-0215F825E2AA}"/>
+              </a:ext>
+            </a:extLst>
+          </p:cNvPr>
+          <p:cNvPicPr>
+            <a:picLocks noChangeAspect="1"/>
+          </p:cNvPicPr>
+          <p:nvPr/>
+        </p:nvPicPr>
+        <p:blipFill>
+          <a:blip r:embed="rId6">
+            <a:extLst>
+              <a:ext uri="{96DAC541-7B7A-43D3-8B79-37D633B846F1}">
+                <asvg:svgBlip xmlns:asvg="http://schemas.microsoft.com/office/drawing/2016/SVG/main" r:embed="rId7"/>
+              </a:ext>
+            </a:extLst>
+          </a:blip>
+          <a:stretch>
+            <a:fillRect/>
+          </a:stretch>
+        </p:blipFill>
+        <p:spPr>
+          <a:xfrm>
+            <a:off x="571499" y="3429000"/>
+            <a:ext cx="914400" cy="914400"/>
+          </a:xfrm>
+          <a:prstGeom prst="rect">
+            <a:avLst/>
+          </a:prstGeom>
+        </p:spPr>
+      </p:pic>
+    </p:spTree>
+    <p:extLst>
+      <p:ext uri="{BB962C8B-B14F-4D97-AF65-F5344CB8AC3E}">
+        <p14:creationId xmlns:p14="http://schemas.microsoft.com/office/powerpoint/2010/main" val="2667511156"/>
       </p:ext>
     </p:extLst>
   </p:cSld>

--- a/Share/游戏想法_葛美玲.pptx
+++ b/Share/游戏想法_葛美玲.pptx
@@ -11,6 +11,7 @@
     <p:sldId id="259" r:id="rId5"/>
     <p:sldId id="260" r:id="rId6"/>
     <p:sldId id="261" r:id="rId7"/>
+    <p:sldId id="262" r:id="rId8"/>
   </p:sldIdLst>
   <p:sldSz cx="12192000" cy="6858000"/>
   <p:notesSz cx="6858000" cy="9144000"/>
@@ -840,7 +841,7 @@
             <a:fld id="{B61BEF0D-F0BB-DE4B-95CE-6DB70DBA9567}" type="datetimeFigureOut">
               <a:rPr lang="en-US" smtClean="0"/>
               <a:pPr/>
-              <a:t>4/11/2018</a:t>
+              <a:t>4/22/2018</a:t>
             </a:fld>
             <a:endParaRPr lang="en-US" dirty="0"/>
           </a:p>
@@ -1093,7 +1094,7 @@
             <a:fld id="{B61BEF0D-F0BB-DE4B-95CE-6DB70DBA9567}" type="datetimeFigureOut">
               <a:rPr lang="en-US" smtClean="0"/>
               <a:pPr/>
-              <a:t>4/11/2018</a:t>
+              <a:t>4/22/2018</a:t>
             </a:fld>
             <a:endParaRPr lang="en-US" dirty="0"/>
           </a:p>
@@ -1409,7 +1410,7 @@
             <a:fld id="{B61BEF0D-F0BB-DE4B-95CE-6DB70DBA9567}" type="datetimeFigureOut">
               <a:rPr lang="en-US" smtClean="0"/>
               <a:pPr/>
-              <a:t>4/11/2018</a:t>
+              <a:t>4/22/2018</a:t>
             </a:fld>
             <a:endParaRPr lang="en-US" dirty="0"/>
           </a:p>
@@ -1752,7 +1753,7 @@
             <a:fld id="{B61BEF0D-F0BB-DE4B-95CE-6DB70DBA9567}" type="datetimeFigureOut">
               <a:rPr lang="en-US" smtClean="0"/>
               <a:pPr/>
-              <a:t>4/11/2018</a:t>
+              <a:t>4/22/2018</a:t>
             </a:fld>
             <a:endParaRPr lang="en-US" dirty="0"/>
           </a:p>
@@ -2068,7 +2069,7 @@
             <a:fld id="{B61BEF0D-F0BB-DE4B-95CE-6DB70DBA9567}" type="datetimeFigureOut">
               <a:rPr lang="en-US" smtClean="0"/>
               <a:pPr/>
-              <a:t>4/11/2018</a:t>
+              <a:t>4/22/2018</a:t>
             </a:fld>
             <a:endParaRPr lang="en-US" dirty="0"/>
           </a:p>
@@ -2463,7 +2464,7 @@
             <a:fld id="{B61BEF0D-F0BB-DE4B-95CE-6DB70DBA9567}" type="datetimeFigureOut">
               <a:rPr lang="en-US" smtClean="0"/>
               <a:pPr/>
-              <a:t>4/11/2018</a:t>
+              <a:t>4/22/2018</a:t>
             </a:fld>
             <a:endParaRPr lang="en-US" dirty="0"/>
           </a:p>
@@ -2635,7 +2636,7 @@
             <a:fld id="{B61BEF0D-F0BB-DE4B-95CE-6DB70DBA9567}" type="datetimeFigureOut">
               <a:rPr lang="en-US" smtClean="0"/>
               <a:pPr/>
-              <a:t>4/11/2018</a:t>
+              <a:t>4/22/2018</a:t>
             </a:fld>
             <a:endParaRPr lang="en-US" dirty="0"/>
           </a:p>
@@ -2817,7 +2818,7 @@
             <a:fld id="{B61BEF0D-F0BB-DE4B-95CE-6DB70DBA9567}" type="datetimeFigureOut">
               <a:rPr lang="en-US" smtClean="0"/>
               <a:pPr/>
-              <a:t>4/11/2018</a:t>
+              <a:t>4/22/2018</a:t>
             </a:fld>
             <a:endParaRPr lang="en-US" dirty="0"/>
           </a:p>
@@ -2995,7 +2996,7 @@
             <a:fld id="{B61BEF0D-F0BB-DE4B-95CE-6DB70DBA9567}" type="datetimeFigureOut">
               <a:rPr lang="en-US" smtClean="0"/>
               <a:pPr/>
-              <a:t>4/11/2018</a:t>
+              <a:t>4/22/2018</a:t>
             </a:fld>
             <a:endParaRPr lang="en-US" dirty="0"/>
           </a:p>
@@ -3244,7 +3245,7 @@
             <a:fld id="{B61BEF0D-F0BB-DE4B-95CE-6DB70DBA9567}" type="datetimeFigureOut">
               <a:rPr lang="en-US" smtClean="0"/>
               <a:pPr/>
-              <a:t>4/11/2018</a:t>
+              <a:t>4/22/2018</a:t>
             </a:fld>
             <a:endParaRPr lang="en-US" dirty="0"/>
           </a:p>
@@ -3478,7 +3479,7 @@
             <a:fld id="{B61BEF0D-F0BB-DE4B-95CE-6DB70DBA9567}" type="datetimeFigureOut">
               <a:rPr lang="en-US" smtClean="0"/>
               <a:pPr/>
-              <a:t>4/11/2018</a:t>
+              <a:t>4/22/2018</a:t>
             </a:fld>
             <a:endParaRPr lang="en-US" dirty="0"/>
           </a:p>
@@ -3854,7 +3855,7 @@
             <a:fld id="{B61BEF0D-F0BB-DE4B-95CE-6DB70DBA9567}" type="datetimeFigureOut">
               <a:rPr lang="en-US" smtClean="0"/>
               <a:pPr/>
-              <a:t>4/11/2018</a:t>
+              <a:t>4/22/2018</a:t>
             </a:fld>
             <a:endParaRPr lang="en-US" dirty="0"/>
           </a:p>
@@ -3979,7 +3980,7 @@
             <a:fld id="{B61BEF0D-F0BB-DE4B-95CE-6DB70DBA9567}" type="datetimeFigureOut">
               <a:rPr lang="en-US" smtClean="0"/>
               <a:pPr/>
-              <a:t>4/11/2018</a:t>
+              <a:t>4/22/2018</a:t>
             </a:fld>
             <a:endParaRPr lang="en-US" dirty="0"/>
           </a:p>
@@ -4076,7 +4077,7 @@
             <a:fld id="{B61BEF0D-F0BB-DE4B-95CE-6DB70DBA9567}" type="datetimeFigureOut">
               <a:rPr lang="en-US" smtClean="0"/>
               <a:pPr/>
-              <a:t>4/11/2018</a:t>
+              <a:t>4/22/2018</a:t>
             </a:fld>
             <a:endParaRPr lang="en-US" dirty="0"/>
           </a:p>
@@ -4333,7 +4334,7 @@
             <a:fld id="{B61BEF0D-F0BB-DE4B-95CE-6DB70DBA9567}" type="datetimeFigureOut">
               <a:rPr lang="en-US" smtClean="0"/>
               <a:pPr/>
-              <a:t>4/11/2018</a:t>
+              <a:t>4/22/2018</a:t>
             </a:fld>
             <a:endParaRPr lang="en-US" dirty="0"/>
           </a:p>
@@ -4598,7 +4599,7 @@
             <a:fld id="{B61BEF0D-F0BB-DE4B-95CE-6DB70DBA9567}" type="datetimeFigureOut">
               <a:rPr lang="en-US" smtClean="0"/>
               <a:pPr/>
-              <a:t>4/11/2018</a:t>
+              <a:t>4/22/2018</a:t>
             </a:fld>
             <a:endParaRPr lang="en-US" dirty="0"/>
           </a:p>
@@ -5343,7 +5344,7 @@
             <a:fld id="{B61BEF0D-F0BB-DE4B-95CE-6DB70DBA9567}" type="datetimeFigureOut">
               <a:rPr lang="en-US" smtClean="0"/>
               <a:pPr/>
-              <a:t>4/11/2018</a:t>
+              <a:t>4/22/2018</a:t>
             </a:fld>
             <a:endParaRPr lang="en-US" dirty="0"/>
           </a:p>
@@ -7789,6 +7790,450 @@
 </p:sld>
 </file>
 
+<file path=ppt/slides/slide7.xml><?xml version="1.0" encoding="utf-8"?>
+<p:sld xmlns:a="http://schemas.openxmlformats.org/drawingml/2006/main" xmlns:r="http://schemas.openxmlformats.org/officeDocument/2006/relationships" xmlns:p="http://schemas.openxmlformats.org/presentationml/2006/main">
+  <p:cSld>
+    <p:spTree>
+      <p:nvGrpSpPr>
+        <p:cNvPr id="1" name=""/>
+        <p:cNvGrpSpPr/>
+        <p:nvPr/>
+      </p:nvGrpSpPr>
+      <p:grpSpPr>
+        <a:xfrm>
+          <a:off x="0" y="0"/>
+          <a:ext cx="0" cy="0"/>
+          <a:chOff x="0" y="0"/>
+          <a:chExt cx="0" cy="0"/>
+        </a:xfrm>
+      </p:grpSpPr>
+      <p:sp>
+        <p:nvSpPr>
+          <p:cNvPr id="2" name="标题 1">
+            <a:extLst>
+              <a:ext uri="{FF2B5EF4-FFF2-40B4-BE49-F238E27FC236}">
+                <a16:creationId xmlns:a16="http://schemas.microsoft.com/office/drawing/2014/main" id="{9966A736-6725-424C-A595-14A5A8C12A18}"/>
+              </a:ext>
+            </a:extLst>
+          </p:cNvPr>
+          <p:cNvSpPr>
+            <a:spLocks noGrp="1"/>
+          </p:cNvSpPr>
+          <p:nvPr>
+            <p:ph type="ctrTitle"/>
+          </p:nvPr>
+        </p:nvSpPr>
+        <p:spPr>
+          <a:xfrm>
+            <a:off x="2974019" y="2238375"/>
+            <a:ext cx="6722431" cy="3293209"/>
+          </a:xfrm>
+          <a:noFill/>
+          <a:ln>
+            <a:solidFill>
+              <a:schemeClr val="accent1"/>
+            </a:solidFill>
+          </a:ln>
+        </p:spPr>
+        <p:txBody>
+          <a:bodyPr wrap="square" anchor="t" anchorCtr="0">
+            <a:spAutoFit/>
+          </a:bodyPr>
+          <a:lstStyle/>
+          <a:p>
+            <a:pPr algn="l"/>
+            <a:r>
+              <a:rPr lang="zh-CN" altLang="en-US" sz="1600" dirty="0">
+                <a:solidFill>
+                  <a:srgbClr val="799594"/>
+                </a:solidFill>
+                <a:latin typeface="微软雅黑" panose="020B0503020204020204" pitchFamily="34" charset="-122"/>
+                <a:ea typeface="微软雅黑" panose="020B0503020204020204" pitchFamily="34" charset="-122"/>
+              </a:rPr>
+              <a:t> 拍蚊子：</a:t>
+            </a:r>
+            <a:br>
+              <a:rPr lang="en-US" altLang="zh-CN" sz="1600" dirty="0">
+                <a:solidFill>
+                  <a:srgbClr val="799594"/>
+                </a:solidFill>
+                <a:latin typeface="微软雅黑" panose="020B0503020204020204" pitchFamily="34" charset="-122"/>
+                <a:ea typeface="微软雅黑" panose="020B0503020204020204" pitchFamily="34" charset="-122"/>
+              </a:rPr>
+            </a:br>
+            <a:r>
+              <a:rPr lang="zh-CN" altLang="en-US" sz="1600" dirty="0">
+                <a:solidFill>
+                  <a:srgbClr val="799594"/>
+                </a:solidFill>
+                <a:latin typeface="微软雅黑" panose="020B0503020204020204" pitchFamily="34" charset="-122"/>
+                <a:ea typeface="微软雅黑" panose="020B0503020204020204" pitchFamily="34" charset="-122"/>
+              </a:rPr>
+              <a:t>夏天来了，你备受蚊虫叮咬的煎熬，让我们一起来战胜蚊子吧！</a:t>
+            </a:r>
+            <a:br>
+              <a:rPr lang="en-US" altLang="zh-CN" sz="1600" dirty="0">
+                <a:solidFill>
+                  <a:srgbClr val="799594"/>
+                </a:solidFill>
+                <a:latin typeface="微软雅黑" panose="020B0503020204020204" pitchFamily="34" charset="-122"/>
+                <a:ea typeface="微软雅黑" panose="020B0503020204020204" pitchFamily="34" charset="-122"/>
+              </a:rPr>
+            </a:br>
+            <a:br>
+              <a:rPr lang="en-US" altLang="zh-CN" sz="1600" dirty="0">
+                <a:solidFill>
+                  <a:srgbClr val="799594"/>
+                </a:solidFill>
+                <a:latin typeface="微软雅黑" panose="020B0503020204020204" pitchFamily="34" charset="-122"/>
+                <a:ea typeface="微软雅黑" panose="020B0503020204020204" pitchFamily="34" charset="-122"/>
+              </a:rPr>
+            </a:br>
+            <a:r>
+              <a:rPr lang="zh-CN" altLang="en-US" sz="1600" dirty="0">
+                <a:solidFill>
+                  <a:srgbClr val="799594"/>
+                </a:solidFill>
+                <a:latin typeface="微软雅黑" panose="020B0503020204020204" pitchFamily="34" charset="-122"/>
+                <a:ea typeface="微软雅黑" panose="020B0503020204020204" pitchFamily="34" charset="-122"/>
+              </a:rPr>
+              <a:t>游戏风格：极简的线条风</a:t>
+            </a:r>
+            <a:br>
+              <a:rPr lang="en-US" altLang="zh-CN" sz="1600" dirty="0">
+                <a:solidFill>
+                  <a:srgbClr val="799594"/>
+                </a:solidFill>
+                <a:latin typeface="微软雅黑" panose="020B0503020204020204" pitchFamily="34" charset="-122"/>
+                <a:ea typeface="微软雅黑" panose="020B0503020204020204" pitchFamily="34" charset="-122"/>
+              </a:rPr>
+            </a:br>
+            <a:r>
+              <a:rPr lang="zh-CN" altLang="en-US" sz="1600" dirty="0">
+                <a:solidFill>
+                  <a:srgbClr val="799594"/>
+                </a:solidFill>
+                <a:latin typeface="微软雅黑" panose="020B0503020204020204" pitchFamily="34" charset="-122"/>
+                <a:ea typeface="微软雅黑" panose="020B0503020204020204" pitchFamily="34" charset="-122"/>
+              </a:rPr>
+              <a:t>游戏内容</a:t>
+            </a:r>
+            <a:r>
+              <a:rPr lang="en-US" altLang="zh-CN" sz="1600" dirty="0">
+                <a:solidFill>
+                  <a:srgbClr val="799594"/>
+                </a:solidFill>
+                <a:latin typeface="微软雅黑" panose="020B0503020204020204" pitchFamily="34" charset="-122"/>
+                <a:ea typeface="微软雅黑" panose="020B0503020204020204" pitchFamily="34" charset="-122"/>
+              </a:rPr>
+              <a:t>: </a:t>
+            </a:r>
+            <a:r>
+              <a:rPr lang="zh-CN" altLang="en-US" sz="1600" dirty="0">
+                <a:solidFill>
+                  <a:srgbClr val="799594"/>
+                </a:solidFill>
+                <a:latin typeface="微软雅黑" panose="020B0503020204020204" pitchFamily="34" charset="-122"/>
+                <a:ea typeface="微软雅黑" panose="020B0503020204020204" pitchFamily="34" charset="-122"/>
+              </a:rPr>
+              <a:t>当被蚊虫叮咬超过</a:t>
+            </a:r>
+            <a:r>
+              <a:rPr lang="en-US" altLang="zh-CN" sz="1600" dirty="0">
+                <a:solidFill>
+                  <a:srgbClr val="799594"/>
+                </a:solidFill>
+                <a:latin typeface="微软雅黑" panose="020B0503020204020204" pitchFamily="34" charset="-122"/>
+                <a:ea typeface="微软雅黑" panose="020B0503020204020204" pitchFamily="34" charset="-122"/>
+              </a:rPr>
+              <a:t>5s</a:t>
+            </a:r>
+            <a:r>
+              <a:rPr lang="zh-CN" altLang="en-US" sz="1600" dirty="0">
+                <a:solidFill>
+                  <a:srgbClr val="799594"/>
+                </a:solidFill>
+                <a:latin typeface="微软雅黑" panose="020B0503020204020204" pitchFamily="34" charset="-122"/>
+                <a:ea typeface="微软雅黑" panose="020B0503020204020204" pitchFamily="34" charset="-122"/>
+              </a:rPr>
+              <a:t>则会起包，五秒内打掉则不会。设定玩家用拍子拍打蚊子，但拍子拍下去有延迟，这段时间蚊子也会有飞行速度，需要预判蚊子的速度和运动轨迹才能拍死蚊子。坚持时间越久，蚊子的运动速度也会加快，这时候需要更远的预判才能打中。玩法采取体力值，初始为</a:t>
+            </a:r>
+            <a:r>
+              <a:rPr lang="en-US" altLang="zh-CN" sz="1600" dirty="0">
+                <a:solidFill>
+                  <a:srgbClr val="799594"/>
+                </a:solidFill>
+                <a:latin typeface="微软雅黑" panose="020B0503020204020204" pitchFamily="34" charset="-122"/>
+                <a:ea typeface="微软雅黑" panose="020B0503020204020204" pitchFamily="34" charset="-122"/>
+              </a:rPr>
+              <a:t>3</a:t>
+            </a:r>
+            <a:r>
+              <a:rPr lang="zh-CN" altLang="en-US" sz="1600" dirty="0">
+                <a:solidFill>
+                  <a:srgbClr val="799594"/>
+                </a:solidFill>
+                <a:latin typeface="微软雅黑" panose="020B0503020204020204" pitchFamily="34" charset="-122"/>
+                <a:ea typeface="微软雅黑" panose="020B0503020204020204" pitchFamily="34" charset="-122"/>
+              </a:rPr>
+              <a:t>，最多可以被咬三次，超过次数无法进行游戏，需要时间或者金币解锁更多体力值才可继续</a:t>
+            </a:r>
+            <a:r>
+              <a:rPr lang="zh-CN" altLang="en-US" sz="1600">
+                <a:solidFill>
+                  <a:srgbClr val="799594"/>
+                </a:solidFill>
+                <a:latin typeface="微软雅黑" panose="020B0503020204020204" pitchFamily="34" charset="-122"/>
+                <a:ea typeface="微软雅黑" panose="020B0503020204020204" pitchFamily="34" charset="-122"/>
+              </a:rPr>
+              <a:t>游戏。当场景里越多蚊子没有被打掉，就会有越多的蚊子叮咬玩家，即使在五秒内打掉一两个，玩家也会因为超过三次的蚊虫叮咬而失败。请尽量打掉场景里的蚊子。</a:t>
+            </a:r>
+            <a:br>
+              <a:rPr lang="en-US" altLang="zh-CN" sz="1600" dirty="0">
+                <a:solidFill>
+                  <a:srgbClr val="799594"/>
+                </a:solidFill>
+                <a:latin typeface="微软雅黑" panose="020B0503020204020204" pitchFamily="34" charset="-122"/>
+                <a:ea typeface="微软雅黑" panose="020B0503020204020204" pitchFamily="34" charset="-122"/>
+              </a:rPr>
+            </a:br>
+            <a:r>
+              <a:rPr lang="zh-CN" altLang="en-US" sz="1600" dirty="0">
+                <a:solidFill>
+                  <a:srgbClr val="799594"/>
+                </a:solidFill>
+                <a:latin typeface="微软雅黑" panose="020B0503020204020204" pitchFamily="34" charset="-122"/>
+                <a:ea typeface="微软雅黑" panose="020B0503020204020204" pitchFamily="34" charset="-122"/>
+              </a:rPr>
+              <a:t>无限时间，看玩家最多可以活到多久。</a:t>
+            </a:r>
+            <a:endParaRPr lang="zh-CN" altLang="en-US" sz="1600" dirty="0">
+              <a:solidFill>
+                <a:schemeClr val="accent5">
+                  <a:lumMod val="50000"/>
+                </a:schemeClr>
+              </a:solidFill>
+              <a:latin typeface="微软雅黑" panose="020B0503020204020204" pitchFamily="34" charset="-122"/>
+              <a:ea typeface="微软雅黑" panose="020B0503020204020204" pitchFamily="34" charset="-122"/>
+            </a:endParaRPr>
+          </a:p>
+        </p:txBody>
+      </p:sp>
+      <p:sp>
+        <p:nvSpPr>
+          <p:cNvPr id="19" name="思想气泡: 云 18">
+            <a:extLst>
+              <a:ext uri="{FF2B5EF4-FFF2-40B4-BE49-F238E27FC236}">
+                <a16:creationId xmlns:a16="http://schemas.microsoft.com/office/drawing/2014/main" id="{F642D744-7AA8-4952-BEDD-F2CB32E3A95A}"/>
+              </a:ext>
+            </a:extLst>
+          </p:cNvPr>
+          <p:cNvSpPr/>
+          <p:nvPr/>
+        </p:nvSpPr>
+        <p:spPr>
+          <a:xfrm>
+            <a:off x="1485899" y="352425"/>
+            <a:ext cx="2466975" cy="1724025"/>
+          </a:xfrm>
+          <a:prstGeom prst="cloudCallout">
+            <a:avLst>
+              <a:gd name="adj1" fmla="val -89583"/>
+              <a:gd name="adj2" fmla="val 143346"/>
+            </a:avLst>
+          </a:prstGeom>
+        </p:spPr>
+        <p:style>
+          <a:lnRef idx="2">
+            <a:schemeClr val="accent1">
+              <a:shade val="50000"/>
+            </a:schemeClr>
+          </a:lnRef>
+          <a:fillRef idx="1">
+            <a:schemeClr val="accent1"/>
+          </a:fillRef>
+          <a:effectRef idx="0">
+            <a:schemeClr val="accent1"/>
+          </a:effectRef>
+          <a:fontRef idx="minor">
+            <a:schemeClr val="lt1"/>
+          </a:fontRef>
+        </p:style>
+        <p:txBody>
+          <a:bodyPr rtlCol="0" anchor="ctr"/>
+          <a:lstStyle/>
+          <a:p>
+            <a:pPr algn="ctr"/>
+            <a:r>
+              <a:rPr lang="zh-CN" altLang="en-US" sz="2400" dirty="0">
+                <a:latin typeface="微软雅黑" panose="020B0503020204020204" pitchFamily="34" charset="-122"/>
+                <a:ea typeface="微软雅黑" panose="020B0503020204020204" pitchFamily="34" charset="-122"/>
+              </a:rPr>
+              <a:t>△休闲游戏</a:t>
+            </a:r>
+            <a:endParaRPr lang="en-US" altLang="zh-CN" sz="2400" dirty="0">
+              <a:latin typeface="微软雅黑" panose="020B0503020204020204" pitchFamily="34" charset="-122"/>
+              <a:ea typeface="微软雅黑" panose="020B0503020204020204" pitchFamily="34" charset="-122"/>
+            </a:endParaRPr>
+          </a:p>
+          <a:p>
+            <a:pPr algn="ctr"/>
+            <a:r>
+              <a:rPr lang="zh-CN" altLang="en-US" sz="2400" dirty="0">
+                <a:latin typeface="微软雅黑" panose="020B0503020204020204" pitchFamily="34" charset="-122"/>
+                <a:ea typeface="微软雅黑" panose="020B0503020204020204" pitchFamily="34" charset="-122"/>
+              </a:rPr>
+              <a:t>△娱乐向</a:t>
+            </a:r>
+            <a:endParaRPr lang="en-US" altLang="zh-CN" sz="2400" dirty="0">
+              <a:latin typeface="微软雅黑" panose="020B0503020204020204" pitchFamily="34" charset="-122"/>
+              <a:ea typeface="微软雅黑" panose="020B0503020204020204" pitchFamily="34" charset="-122"/>
+            </a:endParaRPr>
+          </a:p>
+          <a:p>
+            <a:pPr algn="ctr"/>
+            <a:r>
+              <a:rPr lang="zh-CN" altLang="en-US" sz="2400" dirty="0">
+                <a:latin typeface="微软雅黑" panose="020B0503020204020204" pitchFamily="34" charset="-122"/>
+                <a:ea typeface="微软雅黑" panose="020B0503020204020204" pitchFamily="34" charset="-122"/>
+              </a:rPr>
+              <a:t>△</a:t>
+            </a:r>
+            <a:r>
+              <a:rPr lang="en-US" altLang="zh-CN" sz="2400" dirty="0">
+                <a:latin typeface="微软雅黑" panose="020B0503020204020204" pitchFamily="34" charset="-122"/>
+                <a:ea typeface="微软雅黑" panose="020B0503020204020204" pitchFamily="34" charset="-122"/>
+              </a:rPr>
+              <a:t>2D</a:t>
+            </a:r>
+            <a:endParaRPr lang="zh-CN" altLang="en-US" sz="2400" dirty="0">
+              <a:latin typeface="微软雅黑" panose="020B0503020204020204" pitchFamily="34" charset="-122"/>
+              <a:ea typeface="微软雅黑" panose="020B0503020204020204" pitchFamily="34" charset="-122"/>
+            </a:endParaRPr>
+          </a:p>
+        </p:txBody>
+      </p:sp>
+      <p:pic>
+        <p:nvPicPr>
+          <p:cNvPr id="16" name="图形 15" descr="雨">
+            <a:extLst>
+              <a:ext uri="{FF2B5EF4-FFF2-40B4-BE49-F238E27FC236}">
+                <a16:creationId xmlns:a16="http://schemas.microsoft.com/office/drawing/2014/main" id="{A66764DE-84C7-42F2-8EAC-7C4BC1E65A0F}"/>
+              </a:ext>
+            </a:extLst>
+          </p:cNvPr>
+          <p:cNvPicPr>
+            <a:picLocks noChangeAspect="1"/>
+          </p:cNvPicPr>
+          <p:nvPr/>
+        </p:nvPicPr>
+        <p:blipFill>
+          <a:blip r:embed="rId2">
+            <a:extLst>
+              <a:ext uri="{96DAC541-7B7A-43D3-8B79-37D633B846F1}">
+                <asvg:svgBlip xmlns:asvg="http://schemas.microsoft.com/office/drawing/2016/SVG/main" r:embed="rId3"/>
+              </a:ext>
+            </a:extLst>
+          </a:blip>
+          <a:stretch>
+            <a:fillRect/>
+          </a:stretch>
+        </p:blipFill>
+        <p:spPr>
+          <a:xfrm>
+            <a:off x="542924" y="1704975"/>
+            <a:ext cx="914400" cy="914400"/>
+          </a:xfrm>
+          <a:prstGeom prst="rect">
+            <a:avLst/>
+          </a:prstGeom>
+        </p:spPr>
+      </p:pic>
+      <p:pic>
+        <p:nvPicPr>
+          <p:cNvPr id="18" name="图形 17" descr="太阳">
+            <a:extLst>
+              <a:ext uri="{FF2B5EF4-FFF2-40B4-BE49-F238E27FC236}">
+                <a16:creationId xmlns:a16="http://schemas.microsoft.com/office/drawing/2014/main" id="{4FA1B28E-AEAE-4EEF-B7D5-AE09C4275A14}"/>
+              </a:ext>
+            </a:extLst>
+          </p:cNvPr>
+          <p:cNvPicPr>
+            <a:picLocks noChangeAspect="1"/>
+          </p:cNvPicPr>
+          <p:nvPr/>
+        </p:nvPicPr>
+        <p:blipFill>
+          <a:blip r:embed="rId4">
+            <a:extLst>
+              <a:ext uri="{96DAC541-7B7A-43D3-8B79-37D633B846F1}">
+                <asvg:svgBlip xmlns:asvg="http://schemas.microsoft.com/office/drawing/2016/SVG/main" r:embed="rId5"/>
+              </a:ext>
+            </a:extLst>
+          </a:blip>
+          <a:stretch>
+            <a:fillRect/>
+          </a:stretch>
+        </p:blipFill>
+        <p:spPr>
+          <a:xfrm>
+            <a:off x="1485899" y="2619375"/>
+            <a:ext cx="914400" cy="914400"/>
+          </a:xfrm>
+          <a:prstGeom prst="rect">
+            <a:avLst/>
+          </a:prstGeom>
+        </p:spPr>
+      </p:pic>
+      <p:pic>
+        <p:nvPicPr>
+          <p:cNvPr id="21" name="图形 20" descr="雪">
+            <a:extLst>
+              <a:ext uri="{FF2B5EF4-FFF2-40B4-BE49-F238E27FC236}">
+                <a16:creationId xmlns:a16="http://schemas.microsoft.com/office/drawing/2014/main" id="{18B44C1B-E0EB-4BF6-B4C7-0215F825E2AA}"/>
+              </a:ext>
+            </a:extLst>
+          </p:cNvPr>
+          <p:cNvPicPr>
+            <a:picLocks noChangeAspect="1"/>
+          </p:cNvPicPr>
+          <p:nvPr/>
+        </p:nvPicPr>
+        <p:blipFill>
+          <a:blip r:embed="rId6">
+            <a:extLst>
+              <a:ext uri="{96DAC541-7B7A-43D3-8B79-37D633B846F1}">
+                <asvg:svgBlip xmlns:asvg="http://schemas.microsoft.com/office/drawing/2016/SVG/main" r:embed="rId7"/>
+              </a:ext>
+            </a:extLst>
+          </a:blip>
+          <a:stretch>
+            <a:fillRect/>
+          </a:stretch>
+        </p:blipFill>
+        <p:spPr>
+          <a:xfrm>
+            <a:off x="571499" y="3429000"/>
+            <a:ext cx="914400" cy="914400"/>
+          </a:xfrm>
+          <a:prstGeom prst="rect">
+            <a:avLst/>
+          </a:prstGeom>
+        </p:spPr>
+      </p:pic>
+    </p:spTree>
+    <p:extLst>
+      <p:ext uri="{BB962C8B-B14F-4D97-AF65-F5344CB8AC3E}">
+        <p14:creationId xmlns:p14="http://schemas.microsoft.com/office/powerpoint/2010/main" val="216375591"/>
+      </p:ext>
+    </p:extLst>
+  </p:cSld>
+  <p:clrMapOvr>
+    <a:masterClrMapping/>
+  </p:clrMapOvr>
+</p:sld>
+</file>
+
 <file path=ppt/theme/theme1.xml><?xml version="1.0" encoding="utf-8"?>
 <a:theme xmlns:a="http://schemas.openxmlformats.org/drawingml/2006/main" name="平面">
   <a:themeElements>
